--- a/docs/Choose Your Own Adventure with JHipster & Kubernetes - 2021 .pptx
+++ b/docs/Choose Your Own Adventure with JHipster & Kubernetes - 2021 .pptx
@@ -5,44 +5,45 @@
     <p:sldMasterId id="2147483648" r:id="rId1"/>
   </p:sldMasterIdLst>
   <p:notesMasterIdLst>
-    <p:notesMasterId r:id="rId37"/>
+    <p:notesMasterId r:id="rId38"/>
   </p:notesMasterIdLst>
   <p:sldIdLst>
-    <p:sldId id="260" r:id="rId2"/>
-    <p:sldId id="264" r:id="rId3"/>
-    <p:sldId id="265" r:id="rId4"/>
-    <p:sldId id="266" r:id="rId5"/>
-    <p:sldId id="267" r:id="rId6"/>
-    <p:sldId id="268" r:id="rId7"/>
-    <p:sldId id="269" r:id="rId8"/>
-    <p:sldId id="270" r:id="rId9"/>
-    <p:sldId id="271" r:id="rId10"/>
-    <p:sldId id="272" r:id="rId11"/>
-    <p:sldId id="274" r:id="rId12"/>
-    <p:sldId id="275" r:id="rId13"/>
-    <p:sldId id="276" r:id="rId14"/>
-    <p:sldId id="277" r:id="rId15"/>
-    <p:sldId id="278" r:id="rId16"/>
-    <p:sldId id="279" r:id="rId17"/>
-    <p:sldId id="280" r:id="rId18"/>
-    <p:sldId id="281" r:id="rId19"/>
-    <p:sldId id="282" r:id="rId20"/>
-    <p:sldId id="283" r:id="rId21"/>
-    <p:sldId id="285" r:id="rId22"/>
-    <p:sldId id="286" r:id="rId23"/>
-    <p:sldId id="287" r:id="rId24"/>
-    <p:sldId id="288" r:id="rId25"/>
-    <p:sldId id="289" r:id="rId26"/>
-    <p:sldId id="290" r:id="rId27"/>
-    <p:sldId id="291" r:id="rId28"/>
-    <p:sldId id="292" r:id="rId29"/>
-    <p:sldId id="293" r:id="rId30"/>
-    <p:sldId id="294" r:id="rId31"/>
-    <p:sldId id="295" r:id="rId32"/>
-    <p:sldId id="296" r:id="rId33"/>
-    <p:sldId id="297" r:id="rId34"/>
-    <p:sldId id="298" r:id="rId35"/>
-    <p:sldId id="299" r:id="rId36"/>
+    <p:sldId id="300" r:id="rId2"/>
+    <p:sldId id="260" r:id="rId3"/>
+    <p:sldId id="264" r:id="rId4"/>
+    <p:sldId id="265" r:id="rId5"/>
+    <p:sldId id="266" r:id="rId6"/>
+    <p:sldId id="267" r:id="rId7"/>
+    <p:sldId id="268" r:id="rId8"/>
+    <p:sldId id="269" r:id="rId9"/>
+    <p:sldId id="270" r:id="rId10"/>
+    <p:sldId id="271" r:id="rId11"/>
+    <p:sldId id="272" r:id="rId12"/>
+    <p:sldId id="274" r:id="rId13"/>
+    <p:sldId id="275" r:id="rId14"/>
+    <p:sldId id="276" r:id="rId15"/>
+    <p:sldId id="277" r:id="rId16"/>
+    <p:sldId id="278" r:id="rId17"/>
+    <p:sldId id="279" r:id="rId18"/>
+    <p:sldId id="280" r:id="rId19"/>
+    <p:sldId id="281" r:id="rId20"/>
+    <p:sldId id="282" r:id="rId21"/>
+    <p:sldId id="283" r:id="rId22"/>
+    <p:sldId id="285" r:id="rId23"/>
+    <p:sldId id="286" r:id="rId24"/>
+    <p:sldId id="287" r:id="rId25"/>
+    <p:sldId id="288" r:id="rId26"/>
+    <p:sldId id="289" r:id="rId27"/>
+    <p:sldId id="290" r:id="rId28"/>
+    <p:sldId id="291" r:id="rId29"/>
+    <p:sldId id="292" r:id="rId30"/>
+    <p:sldId id="293" r:id="rId31"/>
+    <p:sldId id="294" r:id="rId32"/>
+    <p:sldId id="295" r:id="rId33"/>
+    <p:sldId id="296" r:id="rId34"/>
+    <p:sldId id="297" r:id="rId35"/>
+    <p:sldId id="298" r:id="rId36"/>
+    <p:sldId id="299" r:id="rId37"/>
   </p:sldIdLst>
   <p:sldSz cx="9144000" cy="5143500" type="screen16x9"/>
   <p:notesSz cx="5143500" cy="9144000"/>
@@ -345,7 +346,7 @@
     </p:spTree>
     <p:extLst>
       <p:ext uri="{BB962C8B-B14F-4D97-AF65-F5344CB8AC3E}">
-        <p14:creationId xmlns:p14="http://schemas.microsoft.com/office/powerpoint/2010/main" val="1024086991"/>
+        <p14:creationId xmlns:p14="http://schemas.microsoft.com/office/powerpoint/2010/main" val="3214445207"/>
       </p:ext>
     </p:extLst>
   </p:cSld>
@@ -2689,6 +2690,90 @@
             <a:fld id="{F7021451-1387-4CA6-816F-3879F97B5CBC}" type="slidenum">
               <a:rPr lang="en-US" smtClean="0"/>
               <a:t>35</a:t>
+            </a:fld>
+            <a:endParaRPr lang="en-US"/>
+          </a:p>
+        </p:txBody>
+      </p:sp>
+    </p:spTree>
+    <p:extLst>
+      <p:ext uri="{BB962C8B-B14F-4D97-AF65-F5344CB8AC3E}">
+        <p14:creationId xmlns:p14="http://schemas.microsoft.com/office/powerpoint/2010/main" val="1024086991"/>
+      </p:ext>
+    </p:extLst>
+  </p:cSld>
+  <p:clrMapOvr>
+    <a:masterClrMapping/>
+  </p:clrMapOvr>
+</p:notes>
+</file>
+
+<file path=ppt/notesSlides/notesSlide36.xml><?xml version="1.0" encoding="utf-8"?>
+<p:notes xmlns:a="http://schemas.openxmlformats.org/drawingml/2006/main" xmlns:r="http://schemas.openxmlformats.org/officeDocument/2006/relationships" xmlns:p="http://schemas.openxmlformats.org/presentationml/2006/main">
+  <p:cSld>
+    <p:spTree>
+      <p:nvGrpSpPr>
+        <p:cNvPr id="1" name=""/>
+        <p:cNvGrpSpPr/>
+        <p:nvPr/>
+      </p:nvGrpSpPr>
+      <p:grpSpPr>
+        <a:xfrm>
+          <a:off x="0" y="0"/>
+          <a:ext cx="0" cy="0"/>
+          <a:chOff x="0" y="0"/>
+          <a:chExt cx="0" cy="0"/>
+        </a:xfrm>
+      </p:grpSpPr>
+      <p:sp>
+        <p:nvSpPr>
+          <p:cNvPr id="2" name="Slide Image Placeholder 1"/>
+          <p:cNvSpPr>
+            <a:spLocks noGrp="1" noRot="1" noChangeAspect="1"/>
+          </p:cNvSpPr>
+          <p:nvPr>
+            <p:ph type="sldImg"/>
+          </p:nvPr>
+        </p:nvSpPr>
+        <p:spPr/>
+      </p:sp>
+      <p:sp>
+        <p:nvSpPr>
+          <p:cNvPr id="3" name="Notes Placeholder 2"/>
+          <p:cNvSpPr>
+            <a:spLocks noGrp="1"/>
+          </p:cNvSpPr>
+          <p:nvPr>
+            <p:ph type="body" idx="1"/>
+          </p:nvPr>
+        </p:nvSpPr>
+        <p:spPr/>
+        <p:txBody>
+          <a:bodyPr/>
+          <a:lstStyle/>
+          <a:p>
+            <a:endParaRPr lang="en-US" dirty="0"/>
+          </a:p>
+        </p:txBody>
+      </p:sp>
+      <p:sp>
+        <p:nvSpPr>
+          <p:cNvPr id="4" name="Slide Number Placeholder 3"/>
+          <p:cNvSpPr>
+            <a:spLocks noGrp="1"/>
+          </p:cNvSpPr>
+          <p:nvPr>
+            <p:ph type="sldNum" sz="quarter" idx="10"/>
+          </p:nvPr>
+        </p:nvSpPr>
+        <p:spPr/>
+        <p:txBody>
+          <a:bodyPr/>
+          <a:lstStyle/>
+          <a:p>
+            <a:fld id="{F7021451-1387-4CA6-816F-3879F97B5CBC}" type="slidenum">
+              <a:rPr lang="en-US" smtClean="0"/>
+              <a:t>36</a:t>
             </a:fld>
             <a:endParaRPr lang="en-US"/>
           </a:p>
@@ -3520,7 +3605,67 @@
 
 <file path=ppt/slides/slide1.xml><?xml version="1.0" encoding="utf-8"?>
 <p:sld xmlns:a="http://schemas.openxmlformats.org/drawingml/2006/main" xmlns:r="http://schemas.openxmlformats.org/officeDocument/2006/relationships" xmlns:p="http://schemas.openxmlformats.org/presentationml/2006/main">
-  <p:cSld name="Slide 5">
+  <p:cSld>
+    <p:spTree>
+      <p:nvGrpSpPr>
+        <p:cNvPr id="1" name=""/>
+        <p:cNvGrpSpPr/>
+        <p:nvPr/>
+      </p:nvGrpSpPr>
+      <p:grpSpPr>
+        <a:xfrm>
+          <a:off x="0" y="0"/>
+          <a:ext cx="0" cy="0"/>
+          <a:chOff x="0" y="0"/>
+          <a:chExt cx="0" cy="0"/>
+        </a:xfrm>
+      </p:grpSpPr>
+      <p:pic>
+        <p:nvPicPr>
+          <p:cNvPr id="4" name="Picture 3">
+            <a:extLst>
+              <a:ext uri="{FF2B5EF4-FFF2-40B4-BE49-F238E27FC236}">
+                <a16:creationId xmlns:a16="http://schemas.microsoft.com/office/drawing/2014/main" id="{47AFC99B-89AC-D949-8EE4-91699112968D}"/>
+              </a:ext>
+            </a:extLst>
+          </p:cNvPr>
+          <p:cNvPicPr>
+            <a:picLocks noChangeAspect="1"/>
+          </p:cNvPicPr>
+          <p:nvPr/>
+        </p:nvPicPr>
+        <p:blipFill>
+          <a:blip r:embed="rId3"/>
+          <a:stretch>
+            <a:fillRect/>
+          </a:stretch>
+        </p:blipFill>
+        <p:spPr>
+          <a:xfrm>
+            <a:off x="0" y="-242894"/>
+            <a:ext cx="9158583" cy="5422106"/>
+          </a:xfrm>
+          <a:prstGeom prst="rect">
+            <a:avLst/>
+          </a:prstGeom>
+        </p:spPr>
+      </p:pic>
+    </p:spTree>
+    <p:extLst>
+      <p:ext uri="{BB962C8B-B14F-4D97-AF65-F5344CB8AC3E}">
+        <p14:creationId xmlns:p14="http://schemas.microsoft.com/office/powerpoint/2010/main" val="1283531852"/>
+      </p:ext>
+    </p:extLst>
+  </p:cSld>
+  <p:clrMapOvr>
+    <a:masterClrMapping/>
+  </p:clrMapOvr>
+</p:sld>
+</file>
+
+<file path=ppt/slides/slide10.xml><?xml version="1.0" encoding="utf-8"?>
+<p:sld xmlns:a="http://schemas.openxmlformats.org/drawingml/2006/main" xmlns:r="http://schemas.openxmlformats.org/officeDocument/2006/relationships" xmlns:p="http://schemas.openxmlformats.org/presentationml/2006/main">
+  <p:cSld name="Slide 16">
     <p:spTree>
       <p:nvGrpSpPr>
         <p:cNvPr id="1" name=""/>
@@ -3566,7 +3711,7 @@
 </p:sld>
 </file>
 
-<file path=ppt/slides/slide10.xml><?xml version="1.0" encoding="utf-8"?>
+<file path=ppt/slides/slide11.xml><?xml version="1.0" encoding="utf-8"?>
 <p:sld xmlns:a="http://schemas.openxmlformats.org/drawingml/2006/main" xmlns:r="http://schemas.openxmlformats.org/officeDocument/2006/relationships" xmlns:p="http://schemas.openxmlformats.org/presentationml/2006/main">
   <p:cSld name="Slide 17">
     <p:spTree>
@@ -3614,7 +3759,7 @@
 </p:sld>
 </file>
 
-<file path=ppt/slides/slide11.xml><?xml version="1.0" encoding="utf-8"?>
+<file path=ppt/slides/slide12.xml><?xml version="1.0" encoding="utf-8"?>
 <p:sld xmlns:a="http://schemas.openxmlformats.org/drawingml/2006/main" xmlns:r="http://schemas.openxmlformats.org/officeDocument/2006/relationships" xmlns:p="http://schemas.openxmlformats.org/presentationml/2006/main">
   <p:cSld name="Slide 19">
     <p:spTree>
@@ -3662,7 +3807,7 @@
 </p:sld>
 </file>
 
-<file path=ppt/slides/slide12.xml><?xml version="1.0" encoding="utf-8"?>
+<file path=ppt/slides/slide13.xml><?xml version="1.0" encoding="utf-8"?>
 <p:sld xmlns:a="http://schemas.openxmlformats.org/drawingml/2006/main" xmlns:r="http://schemas.openxmlformats.org/officeDocument/2006/relationships" xmlns:p="http://schemas.openxmlformats.org/presentationml/2006/main">
   <p:cSld name="Slide 20">
     <p:spTree>
@@ -3710,7 +3855,7 @@
 </p:sld>
 </file>
 
-<file path=ppt/slides/slide13.xml><?xml version="1.0" encoding="utf-8"?>
+<file path=ppt/slides/slide14.xml><?xml version="1.0" encoding="utf-8"?>
 <p:sld xmlns:a="http://schemas.openxmlformats.org/drawingml/2006/main" xmlns:r="http://schemas.openxmlformats.org/officeDocument/2006/relationships" xmlns:p="http://schemas.openxmlformats.org/presentationml/2006/main">
   <p:cSld name="Slide 21">
     <p:spTree>
@@ -3758,7 +3903,7 @@
 </p:sld>
 </file>
 
-<file path=ppt/slides/slide14.xml><?xml version="1.0" encoding="utf-8"?>
+<file path=ppt/slides/slide15.xml><?xml version="1.0" encoding="utf-8"?>
 <p:sld xmlns:a="http://schemas.openxmlformats.org/drawingml/2006/main" xmlns:r="http://schemas.openxmlformats.org/officeDocument/2006/relationships" xmlns:p="http://schemas.openxmlformats.org/presentationml/2006/main">
   <p:cSld name="Slide 22">
     <p:spTree>
@@ -3806,7 +3951,7 @@
 </p:sld>
 </file>
 
-<file path=ppt/slides/slide15.xml><?xml version="1.0" encoding="utf-8"?>
+<file path=ppt/slides/slide16.xml><?xml version="1.0" encoding="utf-8"?>
 <p:sld xmlns:a="http://schemas.openxmlformats.org/drawingml/2006/main" xmlns:r="http://schemas.openxmlformats.org/officeDocument/2006/relationships" xmlns:p="http://schemas.openxmlformats.org/presentationml/2006/main">
   <p:cSld name="Slide 23">
     <p:spTree>
@@ -3854,7 +3999,7 @@
 </p:sld>
 </file>
 
-<file path=ppt/slides/slide16.xml><?xml version="1.0" encoding="utf-8"?>
+<file path=ppt/slides/slide17.xml><?xml version="1.0" encoding="utf-8"?>
 <p:sld xmlns:a="http://schemas.openxmlformats.org/drawingml/2006/main" xmlns:r="http://schemas.openxmlformats.org/officeDocument/2006/relationships" xmlns:p="http://schemas.openxmlformats.org/presentationml/2006/main">
   <p:cSld name="Slide 24">
     <p:spTree>
@@ -3902,7 +4047,7 @@
 </p:sld>
 </file>
 
-<file path=ppt/slides/slide17.xml><?xml version="1.0" encoding="utf-8"?>
+<file path=ppt/slides/slide18.xml><?xml version="1.0" encoding="utf-8"?>
 <p:sld xmlns:a="http://schemas.openxmlformats.org/drawingml/2006/main" xmlns:r="http://schemas.openxmlformats.org/officeDocument/2006/relationships" xmlns:p="http://schemas.openxmlformats.org/presentationml/2006/main">
   <p:cSld name="Slide 25">
     <p:spTree>
@@ -3950,7 +4095,7 @@
 </p:sld>
 </file>
 
-<file path=ppt/slides/slide18.xml><?xml version="1.0" encoding="utf-8"?>
+<file path=ppt/slides/slide19.xml><?xml version="1.0" encoding="utf-8"?>
 <p:sld xmlns:a="http://schemas.openxmlformats.org/drawingml/2006/main" xmlns:r="http://schemas.openxmlformats.org/officeDocument/2006/relationships" xmlns:p="http://schemas.openxmlformats.org/presentationml/2006/main">
   <p:cSld name="Slide 26">
     <p:spTree>
@@ -3998,9 +4143,9 @@
 </p:sld>
 </file>
 
-<file path=ppt/slides/slide19.xml><?xml version="1.0" encoding="utf-8"?>
+<file path=ppt/slides/slide2.xml><?xml version="1.0" encoding="utf-8"?>
 <p:sld xmlns:a="http://schemas.openxmlformats.org/drawingml/2006/main" xmlns:r="http://schemas.openxmlformats.org/officeDocument/2006/relationships" xmlns:p="http://schemas.openxmlformats.org/presentationml/2006/main">
-  <p:cSld name="Slide 27">
+  <p:cSld name="Slide 5">
     <p:spTree>
       <p:nvGrpSpPr>
         <p:cNvPr id="1" name=""/>
@@ -4046,9 +4191,9 @@
 </p:sld>
 </file>
 
-<file path=ppt/slides/slide2.xml><?xml version="1.0" encoding="utf-8"?>
+<file path=ppt/slides/slide20.xml><?xml version="1.0" encoding="utf-8"?>
 <p:sld xmlns:a="http://schemas.openxmlformats.org/drawingml/2006/main" xmlns:r="http://schemas.openxmlformats.org/officeDocument/2006/relationships" xmlns:p="http://schemas.openxmlformats.org/presentationml/2006/main">
-  <p:cSld name="Slide 9">
+  <p:cSld name="Slide 27">
     <p:spTree>
       <p:nvGrpSpPr>
         <p:cNvPr id="1" name=""/>
@@ -4094,7 +4239,7 @@
 </p:sld>
 </file>
 
-<file path=ppt/slides/slide20.xml><?xml version="1.0" encoding="utf-8"?>
+<file path=ppt/slides/slide21.xml><?xml version="1.0" encoding="utf-8"?>
 <p:sld xmlns:a="http://schemas.openxmlformats.org/drawingml/2006/main" xmlns:r="http://schemas.openxmlformats.org/officeDocument/2006/relationships" xmlns:p="http://schemas.openxmlformats.org/presentationml/2006/main">
   <p:cSld name="Slide 28">
     <p:spTree>
@@ -4142,7 +4287,7 @@
 </p:sld>
 </file>
 
-<file path=ppt/slides/slide21.xml><?xml version="1.0" encoding="utf-8"?>
+<file path=ppt/slides/slide22.xml><?xml version="1.0" encoding="utf-8"?>
 <p:sld xmlns:a="http://schemas.openxmlformats.org/drawingml/2006/main" xmlns:r="http://schemas.openxmlformats.org/officeDocument/2006/relationships" xmlns:p="http://schemas.openxmlformats.org/presentationml/2006/main">
   <p:cSld name="Slide 30">
     <p:spTree>
@@ -4190,7 +4335,7 @@
 </p:sld>
 </file>
 
-<file path=ppt/slides/slide22.xml><?xml version="1.0" encoding="utf-8"?>
+<file path=ppt/slides/slide23.xml><?xml version="1.0" encoding="utf-8"?>
 <p:sld xmlns:a="http://schemas.openxmlformats.org/drawingml/2006/main" xmlns:r="http://schemas.openxmlformats.org/officeDocument/2006/relationships" xmlns:p="http://schemas.openxmlformats.org/presentationml/2006/main">
   <p:cSld name="Slide 31">
     <p:spTree>
@@ -4238,7 +4383,7 @@
 </p:sld>
 </file>
 
-<file path=ppt/slides/slide23.xml><?xml version="1.0" encoding="utf-8"?>
+<file path=ppt/slides/slide24.xml><?xml version="1.0" encoding="utf-8"?>
 <p:sld xmlns:a="http://schemas.openxmlformats.org/drawingml/2006/main" xmlns:r="http://schemas.openxmlformats.org/officeDocument/2006/relationships" xmlns:p="http://schemas.openxmlformats.org/presentationml/2006/main">
   <p:cSld name="Slide 32">
     <p:spTree>
@@ -4286,7 +4431,7 @@
 </p:sld>
 </file>
 
-<file path=ppt/slides/slide24.xml><?xml version="1.0" encoding="utf-8"?>
+<file path=ppt/slides/slide25.xml><?xml version="1.0" encoding="utf-8"?>
 <p:sld xmlns:a="http://schemas.openxmlformats.org/drawingml/2006/main" xmlns:r="http://schemas.openxmlformats.org/officeDocument/2006/relationships" xmlns:p="http://schemas.openxmlformats.org/presentationml/2006/main">
   <p:cSld name="Slide 33">
     <p:spTree>
@@ -4334,7 +4479,7 @@
 </p:sld>
 </file>
 
-<file path=ppt/slides/slide25.xml><?xml version="1.0" encoding="utf-8"?>
+<file path=ppt/slides/slide26.xml><?xml version="1.0" encoding="utf-8"?>
 <p:sld xmlns:a="http://schemas.openxmlformats.org/drawingml/2006/main" xmlns:r="http://schemas.openxmlformats.org/officeDocument/2006/relationships" xmlns:p="http://schemas.openxmlformats.org/presentationml/2006/main">
   <p:cSld name="Slide 34">
     <p:spTree>
@@ -4382,7 +4527,7 @@
 </p:sld>
 </file>
 
-<file path=ppt/slides/slide26.xml><?xml version="1.0" encoding="utf-8"?>
+<file path=ppt/slides/slide27.xml><?xml version="1.0" encoding="utf-8"?>
 <p:sld xmlns:a="http://schemas.openxmlformats.org/drawingml/2006/main" xmlns:r="http://schemas.openxmlformats.org/officeDocument/2006/relationships" xmlns:p="http://schemas.openxmlformats.org/presentationml/2006/main">
   <p:cSld name="Slide 35">
     <p:spTree>
@@ -4430,7 +4575,7 @@
 </p:sld>
 </file>
 
-<file path=ppt/slides/slide27.xml><?xml version="1.0" encoding="utf-8"?>
+<file path=ppt/slides/slide28.xml><?xml version="1.0" encoding="utf-8"?>
 <p:sld xmlns:a="http://schemas.openxmlformats.org/drawingml/2006/main" xmlns:r="http://schemas.openxmlformats.org/officeDocument/2006/relationships" xmlns:p="http://schemas.openxmlformats.org/presentationml/2006/main">
   <p:cSld name="Slide 36">
     <p:spTree>
@@ -4478,7 +4623,7 @@
 </p:sld>
 </file>
 
-<file path=ppt/slides/slide28.xml><?xml version="1.0" encoding="utf-8"?>
+<file path=ppt/slides/slide29.xml><?xml version="1.0" encoding="utf-8"?>
 <p:sld xmlns:a="http://schemas.openxmlformats.org/drawingml/2006/main" xmlns:r="http://schemas.openxmlformats.org/officeDocument/2006/relationships" xmlns:p="http://schemas.openxmlformats.org/presentationml/2006/main">
   <p:cSld name="Slide 37">
     <p:spTree>
@@ -4526,9 +4671,9 @@
 </p:sld>
 </file>
 
-<file path=ppt/slides/slide29.xml><?xml version="1.0" encoding="utf-8"?>
+<file path=ppt/slides/slide3.xml><?xml version="1.0" encoding="utf-8"?>
 <p:sld xmlns:a="http://schemas.openxmlformats.org/drawingml/2006/main" xmlns:r="http://schemas.openxmlformats.org/officeDocument/2006/relationships" xmlns:p="http://schemas.openxmlformats.org/presentationml/2006/main">
-  <p:cSld name="Slide 38">
+  <p:cSld name="Slide 9">
     <p:spTree>
       <p:nvGrpSpPr>
         <p:cNvPr id="1" name=""/>
@@ -4574,9 +4719,9 @@
 </p:sld>
 </file>
 
-<file path=ppt/slides/slide3.xml><?xml version="1.0" encoding="utf-8"?>
+<file path=ppt/slides/slide30.xml><?xml version="1.0" encoding="utf-8"?>
 <p:sld xmlns:a="http://schemas.openxmlformats.org/drawingml/2006/main" xmlns:r="http://schemas.openxmlformats.org/officeDocument/2006/relationships" xmlns:p="http://schemas.openxmlformats.org/presentationml/2006/main">
-  <p:cSld name="Slide 10">
+  <p:cSld name="Slide 38">
     <p:spTree>
       <p:nvGrpSpPr>
         <p:cNvPr id="1" name=""/>
@@ -4622,7 +4767,7 @@
 </p:sld>
 </file>
 
-<file path=ppt/slides/slide30.xml><?xml version="1.0" encoding="utf-8"?>
+<file path=ppt/slides/slide31.xml><?xml version="1.0" encoding="utf-8"?>
 <p:sld xmlns:a="http://schemas.openxmlformats.org/drawingml/2006/main" xmlns:r="http://schemas.openxmlformats.org/officeDocument/2006/relationships" xmlns:p="http://schemas.openxmlformats.org/presentationml/2006/main">
   <p:cSld name="Slide 39">
     <p:spTree>
@@ -4670,7 +4815,7 @@
 </p:sld>
 </file>
 
-<file path=ppt/slides/slide31.xml><?xml version="1.0" encoding="utf-8"?>
+<file path=ppt/slides/slide32.xml><?xml version="1.0" encoding="utf-8"?>
 <p:sld xmlns:a="http://schemas.openxmlformats.org/drawingml/2006/main" xmlns:r="http://schemas.openxmlformats.org/officeDocument/2006/relationships" xmlns:p="http://schemas.openxmlformats.org/presentationml/2006/main">
   <p:cSld name="Slide 40">
     <p:spTree>
@@ -4718,7 +4863,7 @@
 </p:sld>
 </file>
 
-<file path=ppt/slides/slide32.xml><?xml version="1.0" encoding="utf-8"?>
+<file path=ppt/slides/slide33.xml><?xml version="1.0" encoding="utf-8"?>
 <p:sld xmlns:a="http://schemas.openxmlformats.org/drawingml/2006/main" xmlns:r="http://schemas.openxmlformats.org/officeDocument/2006/relationships" xmlns:p="http://schemas.openxmlformats.org/presentationml/2006/main">
   <p:cSld name="Slide 41">
     <p:spTree>
@@ -4766,7 +4911,7 @@
 </p:sld>
 </file>
 
-<file path=ppt/slides/slide33.xml><?xml version="1.0" encoding="utf-8"?>
+<file path=ppt/slides/slide34.xml><?xml version="1.0" encoding="utf-8"?>
 <p:sld xmlns:a="http://schemas.openxmlformats.org/drawingml/2006/main" xmlns:r="http://schemas.openxmlformats.org/officeDocument/2006/relationships" xmlns:p="http://schemas.openxmlformats.org/presentationml/2006/main">
   <p:cSld name="Slide 42">
     <p:spTree>
@@ -4814,7 +4959,7 @@
 </p:sld>
 </file>
 
-<file path=ppt/slides/slide34.xml><?xml version="1.0" encoding="utf-8"?>
+<file path=ppt/slides/slide35.xml><?xml version="1.0" encoding="utf-8"?>
 <p:sld xmlns:a="http://schemas.openxmlformats.org/drawingml/2006/main" xmlns:r="http://schemas.openxmlformats.org/officeDocument/2006/relationships" xmlns:p="http://schemas.openxmlformats.org/presentationml/2006/main">
   <p:cSld name="Slide 43">
     <p:spTree>
@@ -4862,7 +5007,7 @@
 </p:sld>
 </file>
 
-<file path=ppt/slides/slide35.xml><?xml version="1.0" encoding="utf-8"?>
+<file path=ppt/slides/slide36.xml><?xml version="1.0" encoding="utf-8"?>
 <p:sld xmlns:a="http://schemas.openxmlformats.org/drawingml/2006/main" xmlns:r="http://schemas.openxmlformats.org/officeDocument/2006/relationships" xmlns:p="http://schemas.openxmlformats.org/presentationml/2006/main">
   <p:cSld name="Slide 44">
     <p:spTree>
@@ -4912,7 +5057,7 @@
 
 <file path=ppt/slides/slide4.xml><?xml version="1.0" encoding="utf-8"?>
 <p:sld xmlns:a="http://schemas.openxmlformats.org/drawingml/2006/main" xmlns:r="http://schemas.openxmlformats.org/officeDocument/2006/relationships" xmlns:p="http://schemas.openxmlformats.org/presentationml/2006/main">
-  <p:cSld name="Slide 11">
+  <p:cSld name="Slide 10">
     <p:spTree>
       <p:nvGrpSpPr>
         <p:cNvPr id="1" name=""/>
@@ -4960,7 +5105,7 @@
 
 <file path=ppt/slides/slide5.xml><?xml version="1.0" encoding="utf-8"?>
 <p:sld xmlns:a="http://schemas.openxmlformats.org/drawingml/2006/main" xmlns:r="http://schemas.openxmlformats.org/officeDocument/2006/relationships" xmlns:p="http://schemas.openxmlformats.org/presentationml/2006/main">
-  <p:cSld name="Slide 12">
+  <p:cSld name="Slide 11">
     <p:spTree>
       <p:nvGrpSpPr>
         <p:cNvPr id="1" name=""/>
@@ -5008,7 +5153,7 @@
 
 <file path=ppt/slides/slide6.xml><?xml version="1.0" encoding="utf-8"?>
 <p:sld xmlns:a="http://schemas.openxmlformats.org/drawingml/2006/main" xmlns:r="http://schemas.openxmlformats.org/officeDocument/2006/relationships" xmlns:p="http://schemas.openxmlformats.org/presentationml/2006/main">
-  <p:cSld name="Slide 13">
+  <p:cSld name="Slide 12">
     <p:spTree>
       <p:nvGrpSpPr>
         <p:cNvPr id="1" name=""/>
@@ -5056,7 +5201,7 @@
 
 <file path=ppt/slides/slide7.xml><?xml version="1.0" encoding="utf-8"?>
 <p:sld xmlns:a="http://schemas.openxmlformats.org/drawingml/2006/main" xmlns:r="http://schemas.openxmlformats.org/officeDocument/2006/relationships" xmlns:p="http://schemas.openxmlformats.org/presentationml/2006/main">
-  <p:cSld name="Slide 14">
+  <p:cSld name="Slide 13">
     <p:spTree>
       <p:nvGrpSpPr>
         <p:cNvPr id="1" name=""/>
@@ -5104,7 +5249,7 @@
 
 <file path=ppt/slides/slide8.xml><?xml version="1.0" encoding="utf-8"?>
 <p:sld xmlns:a="http://schemas.openxmlformats.org/drawingml/2006/main" xmlns:r="http://schemas.openxmlformats.org/officeDocument/2006/relationships" xmlns:p="http://schemas.openxmlformats.org/presentationml/2006/main">
-  <p:cSld name="Slide 15">
+  <p:cSld name="Slide 14">
     <p:spTree>
       <p:nvGrpSpPr>
         <p:cNvPr id="1" name=""/>
@@ -5152,7 +5297,7 @@
 
 <file path=ppt/slides/slide9.xml><?xml version="1.0" encoding="utf-8"?>
 <p:sld xmlns:a="http://schemas.openxmlformats.org/drawingml/2006/main" xmlns:r="http://schemas.openxmlformats.org/officeDocument/2006/relationships" xmlns:p="http://schemas.openxmlformats.org/presentationml/2006/main">
-  <p:cSld name="Slide 16">
+  <p:cSld name="Slide 15">
     <p:spTree>
       <p:nvGrpSpPr>
         <p:cNvPr id="1" name=""/>
